--- a/cover.pptx
+++ b/cover.pptx
@@ -6,21 +6,22 @@
   </p:sldMasterIdLst>
   <p:sldIdLst>
     <p:sldId id="256" r:id="rId2"/>
-    <p:sldId id="261" r:id="rId3"/>
-    <p:sldId id="266" r:id="rId4"/>
-    <p:sldId id="269" r:id="rId5"/>
-    <p:sldId id="264" r:id="rId6"/>
-    <p:sldId id="265" r:id="rId7"/>
-    <p:sldId id="272" r:id="rId8"/>
-    <p:sldId id="268" r:id="rId9"/>
-    <p:sldId id="262" r:id="rId10"/>
-    <p:sldId id="270" r:id="rId11"/>
-    <p:sldId id="271" r:id="rId12"/>
-    <p:sldId id="267" r:id="rId13"/>
-    <p:sldId id="273" r:id="rId14"/>
-    <p:sldId id="257" r:id="rId15"/>
-    <p:sldId id="259" r:id="rId16"/>
-    <p:sldId id="258" r:id="rId17"/>
+    <p:sldId id="274" r:id="rId3"/>
+    <p:sldId id="261" r:id="rId4"/>
+    <p:sldId id="266" r:id="rId5"/>
+    <p:sldId id="269" r:id="rId6"/>
+    <p:sldId id="264" r:id="rId7"/>
+    <p:sldId id="265" r:id="rId8"/>
+    <p:sldId id="272" r:id="rId9"/>
+    <p:sldId id="268" r:id="rId10"/>
+    <p:sldId id="262" r:id="rId11"/>
+    <p:sldId id="270" r:id="rId12"/>
+    <p:sldId id="271" r:id="rId13"/>
+    <p:sldId id="267" r:id="rId14"/>
+    <p:sldId id="273" r:id="rId15"/>
+    <p:sldId id="257" r:id="rId16"/>
+    <p:sldId id="259" r:id="rId17"/>
+    <p:sldId id="258" r:id="rId18"/>
   </p:sldIdLst>
   <p:sldSz cx="12192000" cy="6858000"/>
   <p:notesSz cx="6858000" cy="9144000"/>
@@ -285,7 +286,7 @@
           <a:p>
             <a:fld id="{BE9DA22A-5204-4573-9C67-011E2DB24967}" type="datetimeFigureOut">
               <a:rPr lang="fr-FR" smtClean="0"/>
-              <a:t>26/07/2022</a:t>
+              <a:t>28/07/2022</a:t>
             </a:fld>
             <a:endParaRPr lang="fr-FR"/>
           </a:p>
@@ -483,7 +484,7 @@
           <a:p>
             <a:fld id="{BE9DA22A-5204-4573-9C67-011E2DB24967}" type="datetimeFigureOut">
               <a:rPr lang="fr-FR" smtClean="0"/>
-              <a:t>26/07/2022</a:t>
+              <a:t>28/07/2022</a:t>
             </a:fld>
             <a:endParaRPr lang="fr-FR"/>
           </a:p>
@@ -691,7 +692,7 @@
           <a:p>
             <a:fld id="{BE9DA22A-5204-4573-9C67-011E2DB24967}" type="datetimeFigureOut">
               <a:rPr lang="fr-FR" smtClean="0"/>
-              <a:t>26/07/2022</a:t>
+              <a:t>28/07/2022</a:t>
             </a:fld>
             <a:endParaRPr lang="fr-FR"/>
           </a:p>
@@ -889,7 +890,7 @@
           <a:p>
             <a:fld id="{BE9DA22A-5204-4573-9C67-011E2DB24967}" type="datetimeFigureOut">
               <a:rPr lang="fr-FR" smtClean="0"/>
-              <a:t>26/07/2022</a:t>
+              <a:t>28/07/2022</a:t>
             </a:fld>
             <a:endParaRPr lang="fr-FR"/>
           </a:p>
@@ -1164,7 +1165,7 @@
           <a:p>
             <a:fld id="{BE9DA22A-5204-4573-9C67-011E2DB24967}" type="datetimeFigureOut">
               <a:rPr lang="fr-FR" smtClean="0"/>
-              <a:t>26/07/2022</a:t>
+              <a:t>28/07/2022</a:t>
             </a:fld>
             <a:endParaRPr lang="fr-FR"/>
           </a:p>
@@ -1429,7 +1430,7 @@
           <a:p>
             <a:fld id="{BE9DA22A-5204-4573-9C67-011E2DB24967}" type="datetimeFigureOut">
               <a:rPr lang="fr-FR" smtClean="0"/>
-              <a:t>26/07/2022</a:t>
+              <a:t>28/07/2022</a:t>
             </a:fld>
             <a:endParaRPr lang="fr-FR"/>
           </a:p>
@@ -1841,7 +1842,7 @@
           <a:p>
             <a:fld id="{BE9DA22A-5204-4573-9C67-011E2DB24967}" type="datetimeFigureOut">
               <a:rPr lang="fr-FR" smtClean="0"/>
-              <a:t>26/07/2022</a:t>
+              <a:t>28/07/2022</a:t>
             </a:fld>
             <a:endParaRPr lang="fr-FR"/>
           </a:p>
@@ -1982,7 +1983,7 @@
           <a:p>
             <a:fld id="{BE9DA22A-5204-4573-9C67-011E2DB24967}" type="datetimeFigureOut">
               <a:rPr lang="fr-FR" smtClean="0"/>
-              <a:t>26/07/2022</a:t>
+              <a:t>28/07/2022</a:t>
             </a:fld>
             <a:endParaRPr lang="fr-FR"/>
           </a:p>
@@ -2095,7 +2096,7 @@
           <a:p>
             <a:fld id="{BE9DA22A-5204-4573-9C67-011E2DB24967}" type="datetimeFigureOut">
               <a:rPr lang="fr-FR" smtClean="0"/>
-              <a:t>26/07/2022</a:t>
+              <a:t>28/07/2022</a:t>
             </a:fld>
             <a:endParaRPr lang="fr-FR"/>
           </a:p>
@@ -2406,7 +2407,7 @@
           <a:p>
             <a:fld id="{BE9DA22A-5204-4573-9C67-011E2DB24967}" type="datetimeFigureOut">
               <a:rPr lang="fr-FR" smtClean="0"/>
-              <a:t>26/07/2022</a:t>
+              <a:t>28/07/2022</a:t>
             </a:fld>
             <a:endParaRPr lang="fr-FR"/>
           </a:p>
@@ -2694,7 +2695,7 @@
           <a:p>
             <a:fld id="{BE9DA22A-5204-4573-9C67-011E2DB24967}" type="datetimeFigureOut">
               <a:rPr lang="fr-FR" smtClean="0"/>
-              <a:t>26/07/2022</a:t>
+              <a:t>28/07/2022</a:t>
             </a:fld>
             <a:endParaRPr lang="fr-FR"/>
           </a:p>
@@ -2935,7 +2936,7 @@
           <a:p>
             <a:fld id="{BE9DA22A-5204-4573-9C67-011E2DB24967}" type="datetimeFigureOut">
               <a:rPr lang="fr-FR" smtClean="0"/>
-              <a:t>26/07/2022</a:t>
+              <a:t>28/07/2022</a:t>
             </a:fld>
             <a:endParaRPr lang="fr-FR"/>
           </a:p>
@@ -4120,6 +4121,319 @@
           </p:nvSpPr>
           <p:spPr>
             <a:xfrm>
+              <a:off x="1573618" y="2438653"/>
+              <a:ext cx="5108609" cy="892552"/>
+            </a:xfrm>
+            <a:prstGeom prst="rect">
+              <a:avLst/>
+            </a:prstGeom>
+            <a:noFill/>
+          </p:spPr>
+          <p:txBody>
+            <a:bodyPr wrap="square" rtlCol="0">
+              <a:spAutoFit/>
+            </a:bodyPr>
+            <a:lstStyle/>
+            <a:p>
+              <a:pPr algn="ctr"/>
+              <a:r>
+                <a:rPr lang="fr-FR" sz="3600" b="1" dirty="0">
+                  <a:latin typeface="Century Gothic" panose="020B0502020202020204" pitchFamily="34" charset="0"/>
+                </a:rPr>
+                <a:t>MABOOL</a:t>
+              </a:r>
+              <a:br>
+                <a:rPr lang="fr-FR" sz="3600" b="1" dirty="0">
+                  <a:latin typeface="Century Gothic" panose="020B0502020202020204" pitchFamily="34" charset="0"/>
+                </a:rPr>
+              </a:br>
+              <a:r>
+                <a:rPr lang="fr-FR" sz="1600" b="1" dirty="0">
+                  <a:latin typeface="Century Gothic" panose="020B0502020202020204" pitchFamily="34" charset="0"/>
+                </a:rPr>
+                <a:t>pour ordinateur Philips VG5000</a:t>
+              </a:r>
+              <a:endParaRPr lang="fr-FR" sz="3600" b="1" dirty="0">
+                <a:latin typeface="Century Gothic" panose="020B0502020202020204" pitchFamily="34" charset="0"/>
+              </a:endParaRPr>
+            </a:p>
+          </p:txBody>
+        </p:sp>
+        <p:pic>
+          <p:nvPicPr>
+            <p:cNvPr id="11" name="Picture 4" descr="Philips Logo : histoire, signification de l'emblème">
+              <a:extLst>
+                <a:ext uri="{FF2B5EF4-FFF2-40B4-BE49-F238E27FC236}">
+                  <a16:creationId xmlns:a16="http://schemas.microsoft.com/office/drawing/2014/main" id="{88BD72BF-0937-3BFC-E887-F91A5DC7FECE}"/>
+                </a:ext>
+              </a:extLst>
+            </p:cNvPr>
+            <p:cNvPicPr>
+              <a:picLocks noChangeAspect="1" noChangeArrowheads="1"/>
+            </p:cNvPicPr>
+            <p:nvPr/>
+          </p:nvPicPr>
+          <p:blipFill rotWithShape="1">
+            <a:blip r:embed="rId2">
+              <a:extLst>
+                <a:ext uri="{28A0092B-C50C-407E-A947-70E740481C1C}">
+                  <a14:useLocalDpi xmlns:a14="http://schemas.microsoft.com/office/drawing/2010/main" val="0"/>
+                </a:ext>
+              </a:extLst>
+            </a:blip>
+            <a:srcRect t="33662" r="20823" b="35261"/>
+            <a:stretch/>
+          </p:blipFill>
+          <p:spPr bwMode="auto">
+            <a:xfrm>
+              <a:off x="1641768" y="6487054"/>
+              <a:ext cx="1329179" cy="293459"/>
+            </a:xfrm>
+            <a:prstGeom prst="rect">
+              <a:avLst/>
+            </a:prstGeom>
+            <a:grpFill/>
+          </p:spPr>
+        </p:pic>
+        <p:pic>
+          <p:nvPicPr>
+            <p:cNvPr id="12" name="Picture 6">
+              <a:extLst>
+                <a:ext uri="{FF2B5EF4-FFF2-40B4-BE49-F238E27FC236}">
+                  <a16:creationId xmlns:a16="http://schemas.microsoft.com/office/drawing/2014/main" id="{30C19FB9-53AD-91A9-8456-9C1E31D56455}"/>
+                </a:ext>
+              </a:extLst>
+            </p:cNvPr>
+            <p:cNvPicPr>
+              <a:picLocks noChangeAspect="1" noChangeArrowheads="1"/>
+            </p:cNvPicPr>
+            <p:nvPr/>
+          </p:nvPicPr>
+          <p:blipFill>
+            <a:blip r:embed="rId3">
+              <a:extLst>
+                <a:ext uri="{28A0092B-C50C-407E-A947-70E740481C1C}">
+                  <a14:useLocalDpi xmlns:a14="http://schemas.microsoft.com/office/drawing/2010/main" val="0"/>
+                </a:ext>
+              </a:extLst>
+            </a:blip>
+            <a:srcRect/>
+            <a:stretch>
+              <a:fillRect/>
+            </a:stretch>
+          </p:blipFill>
+          <p:spPr bwMode="auto">
+            <a:xfrm>
+              <a:off x="6225025" y="6474354"/>
+              <a:ext cx="304800" cy="400345"/>
+            </a:xfrm>
+            <a:prstGeom prst="rect">
+              <a:avLst/>
+            </a:prstGeom>
+            <a:grpFill/>
+          </p:spPr>
+        </p:pic>
+      </p:grpSp>
+      <p:sp>
+        <p:nvSpPr>
+          <p:cNvPr id="13" name="ZoneTexte 12">
+            <a:extLst>
+              <a:ext uri="{FF2B5EF4-FFF2-40B4-BE49-F238E27FC236}">
+                <a16:creationId xmlns:a16="http://schemas.microsoft.com/office/drawing/2014/main" id="{C5B08FF6-5C11-F8A0-EBAC-5FEF89CA0E8D}"/>
+              </a:ext>
+            </a:extLst>
+          </p:cNvPr>
+          <p:cNvSpPr txBox="1"/>
+          <p:nvPr/>
+        </p:nvSpPr>
+        <p:spPr>
+          <a:xfrm>
+            <a:off x="1345018" y="5460958"/>
+            <a:ext cx="5108609" cy="369332"/>
+          </a:xfrm>
+          <a:prstGeom prst="rect">
+            <a:avLst/>
+          </a:prstGeom>
+          <a:noFill/>
+        </p:spPr>
+        <p:txBody>
+          <a:bodyPr wrap="square" rtlCol="0">
+            <a:spAutoFit/>
+          </a:bodyPr>
+          <a:lstStyle/>
+          <a:p>
+            <a:pPr algn="ctr"/>
+            <a:r>
+              <a:rPr lang="fr-FR" b="1" dirty="0">
+                <a:latin typeface="Century Gothic" panose="020B0502020202020204" pitchFamily="34" charset="0"/>
+              </a:rPr>
+              <a:t>Baptiste Bideaux ©2022</a:t>
+            </a:r>
+          </a:p>
+        </p:txBody>
+      </p:sp>
+      <p:cxnSp>
+        <p:nvCxnSpPr>
+          <p:cNvPr id="15" name="Connecteur droit 14">
+            <a:extLst>
+              <a:ext uri="{FF2B5EF4-FFF2-40B4-BE49-F238E27FC236}">
+                <a16:creationId xmlns:a16="http://schemas.microsoft.com/office/drawing/2014/main" id="{2C3CD1F2-CFD8-B187-5787-0AFC0DF5C0B9}"/>
+              </a:ext>
+            </a:extLst>
+          </p:cNvPr>
+          <p:cNvCxnSpPr/>
+          <p:nvPr/>
+        </p:nvCxnSpPr>
+        <p:spPr>
+          <a:xfrm>
+            <a:off x="1345018" y="6150279"/>
+            <a:ext cx="5108609" cy="0"/>
+          </a:xfrm>
+          <a:prstGeom prst="line">
+            <a:avLst/>
+          </a:prstGeom>
+          <a:ln w="38100">
+            <a:solidFill>
+              <a:schemeClr val="tx1"/>
+            </a:solidFill>
+          </a:ln>
+        </p:spPr>
+        <p:style>
+          <a:lnRef idx="1">
+            <a:schemeClr val="accent1"/>
+          </a:lnRef>
+          <a:fillRef idx="0">
+            <a:schemeClr val="accent1"/>
+          </a:fillRef>
+          <a:effectRef idx="0">
+            <a:schemeClr val="accent1"/>
+          </a:effectRef>
+          <a:fontRef idx="minor">
+            <a:schemeClr val="tx1"/>
+          </a:fontRef>
+        </p:style>
+      </p:cxnSp>
+    </p:spTree>
+    <p:extLst>
+      <p:ext uri="{BB962C8B-B14F-4D97-AF65-F5344CB8AC3E}">
+        <p14:creationId xmlns:p14="http://schemas.microsoft.com/office/powerpoint/2010/main" val="1985006253"/>
+      </p:ext>
+    </p:extLst>
+  </p:cSld>
+  <p:clrMapOvr>
+    <a:masterClrMapping/>
+  </p:clrMapOvr>
+</p:sld>
+</file>
+
+<file path=ppt/slides/slide11.xml><?xml version="1.0" encoding="utf-8"?>
+<p:sld xmlns:a="http://schemas.openxmlformats.org/drawingml/2006/main" xmlns:r="http://schemas.openxmlformats.org/officeDocument/2006/relationships" xmlns:p="http://schemas.openxmlformats.org/presentationml/2006/main">
+  <p:cSld>
+    <p:spTree>
+      <p:nvGrpSpPr>
+        <p:cNvPr id="1" name=""/>
+        <p:cNvGrpSpPr/>
+        <p:nvPr/>
+      </p:nvGrpSpPr>
+      <p:grpSpPr>
+        <a:xfrm>
+          <a:off x="0" y="0"/>
+          <a:ext cx="0" cy="0"/>
+          <a:chOff x="0" y="0"/>
+          <a:chExt cx="0" cy="0"/>
+        </a:xfrm>
+      </p:grpSpPr>
+      <p:grpSp>
+        <p:nvGrpSpPr>
+          <p:cNvPr id="4" name="Groupe 3">
+            <a:extLst>
+              <a:ext uri="{FF2B5EF4-FFF2-40B4-BE49-F238E27FC236}">
+                <a16:creationId xmlns:a16="http://schemas.microsoft.com/office/drawing/2014/main" id="{245F472C-B6B9-EBE9-A183-510A380574F9}"/>
+              </a:ext>
+            </a:extLst>
+          </p:cNvPr>
+          <p:cNvGrpSpPr/>
+          <p:nvPr/>
+        </p:nvGrpSpPr>
+        <p:grpSpPr>
+          <a:xfrm>
+            <a:off x="1345018" y="0"/>
+            <a:ext cx="5108609" cy="6853139"/>
+            <a:chOff x="1573618" y="156802"/>
+            <a:chExt cx="5108609" cy="6853139"/>
+          </a:xfrm>
+          <a:solidFill>
+            <a:schemeClr val="bg1"/>
+          </a:solidFill>
+        </p:grpSpPr>
+        <p:sp>
+          <p:nvSpPr>
+            <p:cNvPr id="5" name="Rectangle 4">
+              <a:extLst>
+                <a:ext uri="{FF2B5EF4-FFF2-40B4-BE49-F238E27FC236}">
+                  <a16:creationId xmlns:a16="http://schemas.microsoft.com/office/drawing/2014/main" id="{EA6271CB-7CB1-8AF6-1FA1-E3EF4709453A}"/>
+                </a:ext>
+              </a:extLst>
+            </p:cNvPr>
+            <p:cNvSpPr/>
+            <p:nvPr/>
+          </p:nvSpPr>
+          <p:spPr>
+            <a:xfrm>
+              <a:off x="1573618" y="156802"/>
+              <a:ext cx="5108609" cy="6853139"/>
+            </a:xfrm>
+            <a:prstGeom prst="rect">
+              <a:avLst/>
+            </a:prstGeom>
+            <a:grpFill/>
+            <a:ln>
+              <a:solidFill>
+                <a:schemeClr val="bg1">
+                  <a:lumMod val="85000"/>
+                </a:schemeClr>
+              </a:solidFill>
+            </a:ln>
+          </p:spPr>
+          <p:style>
+            <a:lnRef idx="2">
+              <a:schemeClr val="accent1">
+                <a:shade val="50000"/>
+              </a:schemeClr>
+            </a:lnRef>
+            <a:fillRef idx="1">
+              <a:schemeClr val="accent1"/>
+            </a:fillRef>
+            <a:effectRef idx="0">
+              <a:schemeClr val="accent1"/>
+            </a:effectRef>
+            <a:fontRef idx="minor">
+              <a:schemeClr val="lt1"/>
+            </a:fontRef>
+          </p:style>
+          <p:txBody>
+            <a:bodyPr rtlCol="0" anchor="ctr"/>
+            <a:lstStyle/>
+            <a:p>
+              <a:pPr algn="ctr"/>
+              <a:endParaRPr lang="fr-FR"/>
+            </a:p>
+          </p:txBody>
+        </p:sp>
+        <p:sp>
+          <p:nvSpPr>
+            <p:cNvPr id="9" name="ZoneTexte 8">
+              <a:extLst>
+                <a:ext uri="{FF2B5EF4-FFF2-40B4-BE49-F238E27FC236}">
+                  <a16:creationId xmlns:a16="http://schemas.microsoft.com/office/drawing/2014/main" id="{7BF7CDFD-AAD3-9FA2-5875-D712D95DEF02}"/>
+                </a:ext>
+              </a:extLst>
+            </p:cNvPr>
+            <p:cNvSpPr txBox="1"/>
+            <p:nvPr/>
+          </p:nvSpPr>
+          <p:spPr>
+            <a:xfrm>
               <a:off x="1641769" y="846207"/>
               <a:ext cx="5040458" cy="5016758"/>
             </a:xfrm>
@@ -4404,7 +4718,7 @@
 </p:sld>
 </file>
 
-<file path=ppt/slides/slide11.xml><?xml version="1.0" encoding="utf-8"?>
+<file path=ppt/slides/slide12.xml><?xml version="1.0" encoding="utf-8"?>
 <p:sld xmlns:a="http://schemas.openxmlformats.org/drawingml/2006/main" xmlns:r="http://schemas.openxmlformats.org/officeDocument/2006/relationships" xmlns:p="http://schemas.openxmlformats.org/presentationml/2006/main">
   <p:cSld>
     <p:spTree>
@@ -4854,7 +5168,7 @@
 </p:sld>
 </file>
 
-<file path=ppt/slides/slide12.xml><?xml version="1.0" encoding="utf-8"?>
+<file path=ppt/slides/slide13.xml><?xml version="1.0" encoding="utf-8"?>
 <p:sld xmlns:a="http://schemas.openxmlformats.org/drawingml/2006/main" xmlns:r="http://schemas.openxmlformats.org/officeDocument/2006/relationships" xmlns:p="http://schemas.openxmlformats.org/presentationml/2006/main">
   <p:cSld>
     <p:spTree>
@@ -5704,7 +6018,7 @@
 </p:sld>
 </file>
 
-<file path=ppt/slides/slide13.xml><?xml version="1.0" encoding="utf-8"?>
+<file path=ppt/slides/slide14.xml><?xml version="1.0" encoding="utf-8"?>
 <p:sld xmlns:a="http://schemas.openxmlformats.org/drawingml/2006/main" xmlns:r="http://schemas.openxmlformats.org/officeDocument/2006/relationships" xmlns:p="http://schemas.openxmlformats.org/presentationml/2006/main">
   <p:cSld>
     <p:spTree>
@@ -6289,7 +6603,7 @@
 </p:sld>
 </file>
 
-<file path=ppt/slides/slide14.xml><?xml version="1.0" encoding="utf-8"?>
+<file path=ppt/slides/slide15.xml><?xml version="1.0" encoding="utf-8"?>
 <p:sld xmlns:a="http://schemas.openxmlformats.org/drawingml/2006/main" xmlns:r="http://schemas.openxmlformats.org/officeDocument/2006/relationships" xmlns:p="http://schemas.openxmlformats.org/presentationml/2006/main">
   <p:cSld>
     <p:spTree>
@@ -11459,7 +11773,7 @@
 </p:sld>
 </file>
 
-<file path=ppt/slides/slide15.xml><?xml version="1.0" encoding="utf-8"?>
+<file path=ppt/slides/slide16.xml><?xml version="1.0" encoding="utf-8"?>
 <p:sld xmlns:a="http://schemas.openxmlformats.org/drawingml/2006/main" xmlns:r="http://schemas.openxmlformats.org/officeDocument/2006/relationships" xmlns:p="http://schemas.openxmlformats.org/presentationml/2006/main">
   <p:cSld>
     <p:spTree>
@@ -19394,7 +19708,7 @@
 </p:sld>
 </file>
 
-<file path=ppt/slides/slide16.xml><?xml version="1.0" encoding="utf-8"?>
+<file path=ppt/slides/slide17.xml><?xml version="1.0" encoding="utf-8"?>
 <p:sld xmlns:a="http://schemas.openxmlformats.org/drawingml/2006/main" xmlns:r="http://schemas.openxmlformats.org/officeDocument/2006/relationships" xmlns:p="http://schemas.openxmlformats.org/presentationml/2006/main">
   <p:cSld>
     <p:spTree>
@@ -22332,6 +22646,756 @@
         </p:sp>
         <p:sp>
           <p:nvSpPr>
+            <p:cNvPr id="5" name="ZoneTexte 4">
+              <a:extLst>
+                <a:ext uri="{FF2B5EF4-FFF2-40B4-BE49-F238E27FC236}">
+                  <a16:creationId xmlns:a16="http://schemas.microsoft.com/office/drawing/2014/main" id="{531B967D-ED0E-7B83-157B-C16638FB0F03}"/>
+                </a:ext>
+              </a:extLst>
+            </p:cNvPr>
+            <p:cNvSpPr txBox="1"/>
+            <p:nvPr/>
+          </p:nvSpPr>
+          <p:spPr>
+            <a:xfrm>
+              <a:off x="1573616" y="202127"/>
+              <a:ext cx="3079320" cy="830997"/>
+            </a:xfrm>
+            <a:prstGeom prst="rect">
+              <a:avLst/>
+            </a:prstGeom>
+            <a:noFill/>
+          </p:spPr>
+          <p:txBody>
+            <a:bodyPr wrap="square" rtlCol="0">
+              <a:spAutoFit/>
+            </a:bodyPr>
+            <a:lstStyle/>
+            <a:p>
+              <a:r>
+                <a:rPr lang="fr-FR" sz="4800" dirty="0">
+                  <a:latin typeface="Century Gothic" panose="020B0502020202020204" pitchFamily="34" charset="0"/>
+                </a:rPr>
+                <a:t>VG 5000</a:t>
+              </a:r>
+            </a:p>
+          </p:txBody>
+        </p:sp>
+        <p:sp>
+          <p:nvSpPr>
+            <p:cNvPr id="8" name="Rectangle 7">
+              <a:extLst>
+                <a:ext uri="{FF2B5EF4-FFF2-40B4-BE49-F238E27FC236}">
+                  <a16:creationId xmlns:a16="http://schemas.microsoft.com/office/drawing/2014/main" id="{91E59059-ED38-CC92-A522-EE6FF6728E27}"/>
+                </a:ext>
+              </a:extLst>
+            </p:cNvPr>
+            <p:cNvSpPr/>
+            <p:nvPr/>
+          </p:nvSpPr>
+          <p:spPr>
+            <a:xfrm>
+              <a:off x="1573619" y="1033124"/>
+              <a:ext cx="5108608" cy="361932"/>
+            </a:xfrm>
+            <a:prstGeom prst="rect">
+              <a:avLst/>
+            </a:prstGeom>
+            <a:solidFill>
+              <a:srgbClr val="F8BC4F"/>
+            </a:solidFill>
+            <a:ln>
+              <a:noFill/>
+            </a:ln>
+          </p:spPr>
+          <p:style>
+            <a:lnRef idx="2">
+              <a:schemeClr val="accent1">
+                <a:shade val="50000"/>
+              </a:schemeClr>
+            </a:lnRef>
+            <a:fillRef idx="1">
+              <a:schemeClr val="accent1"/>
+            </a:fillRef>
+            <a:effectRef idx="0">
+              <a:schemeClr val="accent1"/>
+            </a:effectRef>
+            <a:fontRef idx="minor">
+              <a:schemeClr val="lt1"/>
+            </a:fontRef>
+          </p:style>
+          <p:txBody>
+            <a:bodyPr rtlCol="0" anchor="ctr"/>
+            <a:lstStyle/>
+            <a:p>
+              <a:pPr algn="ctr"/>
+              <a:endParaRPr lang="fr-FR"/>
+            </a:p>
+          </p:txBody>
+        </p:sp>
+        <p:sp>
+          <p:nvSpPr>
+            <p:cNvPr id="9" name="ZoneTexte 8">
+              <a:extLst>
+                <a:ext uri="{FF2B5EF4-FFF2-40B4-BE49-F238E27FC236}">
+                  <a16:creationId xmlns:a16="http://schemas.microsoft.com/office/drawing/2014/main" id="{2F940826-AC7E-113A-0B49-C0E2F0047ABE}"/>
+                </a:ext>
+              </a:extLst>
+            </p:cNvPr>
+            <p:cNvSpPr txBox="1"/>
+            <p:nvPr/>
+          </p:nvSpPr>
+          <p:spPr>
+            <a:xfrm>
+              <a:off x="1616368" y="1048264"/>
+              <a:ext cx="2267475" cy="307777"/>
+            </a:xfrm>
+            <a:prstGeom prst="rect">
+              <a:avLst/>
+            </a:prstGeom>
+            <a:noFill/>
+          </p:spPr>
+          <p:txBody>
+            <a:bodyPr wrap="square" rtlCol="0">
+              <a:spAutoFit/>
+            </a:bodyPr>
+            <a:lstStyle/>
+            <a:p>
+              <a:r>
+                <a:rPr lang="fr-FR" sz="1400" dirty="0">
+                  <a:latin typeface="Century Gothic" panose="020B0502020202020204" pitchFamily="34" charset="0"/>
+                </a:rPr>
+                <a:t>CASSETTE PROGRAMME</a:t>
+              </a:r>
+            </a:p>
+          </p:txBody>
+        </p:sp>
+        <p:sp>
+          <p:nvSpPr>
+            <p:cNvPr id="10" name="ZoneTexte 9">
+              <a:extLst>
+                <a:ext uri="{FF2B5EF4-FFF2-40B4-BE49-F238E27FC236}">
+                  <a16:creationId xmlns:a16="http://schemas.microsoft.com/office/drawing/2014/main" id="{F5352993-7DE3-D0D7-02AD-38153BCEA0BC}"/>
+                </a:ext>
+              </a:extLst>
+            </p:cNvPr>
+            <p:cNvSpPr txBox="1"/>
+            <p:nvPr/>
+          </p:nvSpPr>
+          <p:spPr>
+            <a:xfrm>
+              <a:off x="5794669" y="1042551"/>
+              <a:ext cx="799709" cy="369332"/>
+            </a:xfrm>
+            <a:prstGeom prst="rect">
+              <a:avLst/>
+            </a:prstGeom>
+            <a:noFill/>
+          </p:spPr>
+          <p:txBody>
+            <a:bodyPr wrap="square" rtlCol="0">
+              <a:spAutoFit/>
+            </a:bodyPr>
+            <a:lstStyle/>
+            <a:p>
+              <a:pPr algn="r"/>
+              <a:r>
+                <a:rPr lang="fr-FR" sz="900" dirty="0">
+                  <a:latin typeface="Century Gothic" panose="020B0502020202020204" pitchFamily="34" charset="0"/>
+                </a:rPr>
+                <a:t>SÉRIE</a:t>
+              </a:r>
+              <a:br>
+                <a:rPr lang="fr-FR" sz="900" dirty="0">
+                  <a:latin typeface="Century Gothic" panose="020B0502020202020204" pitchFamily="34" charset="0"/>
+                </a:rPr>
+              </a:br>
+              <a:r>
+                <a:rPr lang="fr-FR" sz="900" dirty="0">
+                  <a:latin typeface="Century Gothic" panose="020B0502020202020204" pitchFamily="34" charset="0"/>
+                </a:rPr>
+                <a:t>JEU</a:t>
+              </a:r>
+            </a:p>
+          </p:txBody>
+        </p:sp>
+        <p:sp>
+          <p:nvSpPr>
+            <p:cNvPr id="11" name="Rectangle 10">
+              <a:extLst>
+                <a:ext uri="{FF2B5EF4-FFF2-40B4-BE49-F238E27FC236}">
+                  <a16:creationId xmlns:a16="http://schemas.microsoft.com/office/drawing/2014/main" id="{8E524686-2CC6-290B-CC9D-84CDAF207761}"/>
+                </a:ext>
+              </a:extLst>
+            </p:cNvPr>
+            <p:cNvSpPr/>
+            <p:nvPr/>
+          </p:nvSpPr>
+          <p:spPr>
+            <a:xfrm>
+              <a:off x="1573616" y="6444896"/>
+              <a:ext cx="5108608" cy="565045"/>
+            </a:xfrm>
+            <a:prstGeom prst="rect">
+              <a:avLst/>
+            </a:prstGeom>
+            <a:solidFill>
+              <a:srgbClr val="F8BC4F"/>
+            </a:solidFill>
+            <a:ln>
+              <a:noFill/>
+            </a:ln>
+          </p:spPr>
+          <p:style>
+            <a:lnRef idx="2">
+              <a:schemeClr val="accent1">
+                <a:shade val="50000"/>
+              </a:schemeClr>
+            </a:lnRef>
+            <a:fillRef idx="1">
+              <a:schemeClr val="accent1"/>
+            </a:fillRef>
+            <a:effectRef idx="0">
+              <a:schemeClr val="accent1"/>
+            </a:effectRef>
+            <a:fontRef idx="minor">
+              <a:schemeClr val="lt1"/>
+            </a:fontRef>
+          </p:style>
+          <p:txBody>
+            <a:bodyPr rtlCol="0" anchor="ctr"/>
+            <a:lstStyle/>
+            <a:p>
+              <a:pPr algn="ctr"/>
+              <a:endParaRPr lang="fr-FR"/>
+            </a:p>
+          </p:txBody>
+        </p:sp>
+        <p:pic>
+          <p:nvPicPr>
+            <p:cNvPr id="1028" name="Picture 4" descr="Philips Logo : histoire, signification de l'emblème">
+              <a:extLst>
+                <a:ext uri="{FF2B5EF4-FFF2-40B4-BE49-F238E27FC236}">
+                  <a16:creationId xmlns:a16="http://schemas.microsoft.com/office/drawing/2014/main" id="{61CA8CBE-2F67-3CC8-70C3-9C043EFF8181}"/>
+                </a:ext>
+              </a:extLst>
+            </p:cNvPr>
+            <p:cNvPicPr>
+              <a:picLocks noChangeAspect="1" noChangeArrowheads="1"/>
+            </p:cNvPicPr>
+            <p:nvPr/>
+          </p:nvPicPr>
+          <p:blipFill rotWithShape="1">
+            <a:blip r:embed="rId2">
+              <a:extLst>
+                <a:ext uri="{28A0092B-C50C-407E-A947-70E740481C1C}">
+                  <a14:useLocalDpi xmlns:a14="http://schemas.microsoft.com/office/drawing/2010/main" val="0"/>
+                </a:ext>
+              </a:extLst>
+            </a:blip>
+            <a:srcRect t="33662" r="20823" b="35261"/>
+            <a:stretch/>
+          </p:blipFill>
+          <p:spPr bwMode="auto">
+            <a:xfrm>
+              <a:off x="1641768" y="6487054"/>
+              <a:ext cx="1329179" cy="293459"/>
+            </a:xfrm>
+            <a:prstGeom prst="rect">
+              <a:avLst/>
+            </a:prstGeom>
+            <a:noFill/>
+            <a:extLst>
+              <a:ext uri="{909E8E84-426E-40DD-AFC4-6F175D3DCCD1}">
+                <a14:hiddenFill xmlns:a14="http://schemas.microsoft.com/office/drawing/2010/main">
+                  <a:solidFill>
+                    <a:srgbClr val="FFFFFF"/>
+                  </a:solidFill>
+                </a14:hiddenFill>
+              </a:ext>
+            </a:extLst>
+          </p:spPr>
+        </p:pic>
+        <p:pic>
+          <p:nvPicPr>
+            <p:cNvPr id="1030" name="Picture 6">
+              <a:extLst>
+                <a:ext uri="{FF2B5EF4-FFF2-40B4-BE49-F238E27FC236}">
+                  <a16:creationId xmlns:a16="http://schemas.microsoft.com/office/drawing/2014/main" id="{E3CAB45E-E988-74CA-12B6-2A918277DB0B}"/>
+                </a:ext>
+              </a:extLst>
+            </p:cNvPr>
+            <p:cNvPicPr>
+              <a:picLocks noChangeAspect="1" noChangeArrowheads="1"/>
+            </p:cNvPicPr>
+            <p:nvPr/>
+          </p:nvPicPr>
+          <p:blipFill>
+            <a:blip r:embed="rId3">
+              <a:extLst>
+                <a:ext uri="{28A0092B-C50C-407E-A947-70E740481C1C}">
+                  <a14:useLocalDpi xmlns:a14="http://schemas.microsoft.com/office/drawing/2010/main" val="0"/>
+                </a:ext>
+              </a:extLst>
+            </a:blip>
+            <a:srcRect/>
+            <a:stretch>
+              <a:fillRect/>
+            </a:stretch>
+          </p:blipFill>
+          <p:spPr bwMode="auto">
+            <a:xfrm>
+              <a:off x="6225025" y="6474354"/>
+              <a:ext cx="304800" cy="400345"/>
+            </a:xfrm>
+            <a:prstGeom prst="rect">
+              <a:avLst/>
+            </a:prstGeom>
+            <a:noFill/>
+            <a:extLst>
+              <a:ext uri="{909E8E84-426E-40DD-AFC4-6F175D3DCCD1}">
+                <a14:hiddenFill xmlns:a14="http://schemas.microsoft.com/office/drawing/2010/main">
+                  <a:solidFill>
+                    <a:srgbClr val="FFFFFF"/>
+                  </a:solidFill>
+                </a14:hiddenFill>
+              </a:ext>
+            </a:extLst>
+          </p:spPr>
+        </p:pic>
+      </p:grpSp>
+      <p:sp>
+        <p:nvSpPr>
+          <p:cNvPr id="15" name="ZoneTexte 14">
+            <a:extLst>
+              <a:ext uri="{FF2B5EF4-FFF2-40B4-BE49-F238E27FC236}">
+                <a16:creationId xmlns:a16="http://schemas.microsoft.com/office/drawing/2014/main" id="{836DA523-D0D9-9042-2FE7-042CB82A4430}"/>
+              </a:ext>
+            </a:extLst>
+          </p:cNvPr>
+          <p:cNvSpPr txBox="1"/>
+          <p:nvPr/>
+        </p:nvSpPr>
+        <p:spPr>
+          <a:xfrm>
+            <a:off x="3850893" y="28498"/>
+            <a:ext cx="573443" cy="369332"/>
+          </a:xfrm>
+          <a:prstGeom prst="rect">
+            <a:avLst/>
+          </a:prstGeom>
+          <a:noFill/>
+        </p:spPr>
+        <p:txBody>
+          <a:bodyPr wrap="square" rtlCol="0">
+            <a:spAutoFit/>
+          </a:bodyPr>
+          <a:lstStyle/>
+          <a:p>
+            <a:r>
+              <a:rPr lang="fr-FR" b="1" i="1" dirty="0">
+                <a:latin typeface="Century Gothic" panose="020B0502020202020204" pitchFamily="34" charset="0"/>
+              </a:rPr>
+              <a:t>µ</a:t>
+            </a:r>
+          </a:p>
+        </p:txBody>
+      </p:sp>
+      <p:pic>
+        <p:nvPicPr>
+          <p:cNvPr id="2050" name="Picture 2">
+            <a:extLst>
+              <a:ext uri="{FF2B5EF4-FFF2-40B4-BE49-F238E27FC236}">
+                <a16:creationId xmlns:a16="http://schemas.microsoft.com/office/drawing/2014/main" id="{57A758CF-7EA4-585C-FA9C-BAD52E4088A1}"/>
+              </a:ext>
+            </a:extLst>
+          </p:cNvPr>
+          <p:cNvPicPr>
+            <a:picLocks noChangeAspect="1" noChangeArrowheads="1"/>
+          </p:cNvPicPr>
+          <p:nvPr/>
+        </p:nvPicPr>
+        <p:blipFill>
+          <a:blip r:embed="rId4">
+            <a:extLst>
+              <a:ext uri="{28A0092B-C50C-407E-A947-70E740481C1C}">
+                <a14:useLocalDpi xmlns:a14="http://schemas.microsoft.com/office/drawing/2010/main" val="0"/>
+              </a:ext>
+            </a:extLst>
+          </a:blip>
+          <a:srcRect/>
+          <a:stretch>
+            <a:fillRect/>
+          </a:stretch>
+        </p:blipFill>
+        <p:spPr bwMode="auto">
+          <a:xfrm>
+            <a:off x="1537767" y="5240986"/>
+            <a:ext cx="661672" cy="859838"/>
+          </a:xfrm>
+          <a:prstGeom prst="rect">
+            <a:avLst/>
+          </a:prstGeom>
+          <a:noFill/>
+          <a:extLst>
+            <a:ext uri="{909E8E84-426E-40DD-AFC4-6F175D3DCCD1}">
+              <a14:hiddenFill xmlns:a14="http://schemas.microsoft.com/office/drawing/2010/main">
+                <a:solidFill>
+                  <a:srgbClr val="FFFFFF"/>
+                </a:solidFill>
+              </a14:hiddenFill>
+            </a:ext>
+          </a:extLst>
+        </p:spPr>
+      </p:pic>
+      <p:pic>
+        <p:nvPicPr>
+          <p:cNvPr id="12" name="Image 11">
+            <a:extLst>
+              <a:ext uri="{FF2B5EF4-FFF2-40B4-BE49-F238E27FC236}">
+                <a16:creationId xmlns:a16="http://schemas.microsoft.com/office/drawing/2014/main" id="{485353A9-D9C4-4659-E5D8-AC26DA8EDF29}"/>
+              </a:ext>
+            </a:extLst>
+          </p:cNvPr>
+          <p:cNvPicPr>
+            <a:picLocks noChangeAspect="1"/>
+          </p:cNvPicPr>
+          <p:nvPr/>
+        </p:nvPicPr>
+        <p:blipFill rotWithShape="1">
+          <a:blip r:embed="rId5"/>
+          <a:srcRect l="-7" t="29460" r="7" b="12920"/>
+          <a:stretch/>
+        </p:blipFill>
+        <p:spPr>
+          <a:xfrm>
+            <a:off x="1344678" y="1277158"/>
+            <a:ext cx="5108608" cy="4946806"/>
+          </a:xfrm>
+          <a:prstGeom prst="rect">
+            <a:avLst/>
+          </a:prstGeom>
+        </p:spPr>
+      </p:pic>
+      <p:sp>
+        <p:nvSpPr>
+          <p:cNvPr id="13" name="ZoneTexte 12">
+            <a:extLst>
+              <a:ext uri="{FF2B5EF4-FFF2-40B4-BE49-F238E27FC236}">
+                <a16:creationId xmlns:a16="http://schemas.microsoft.com/office/drawing/2014/main" id="{DF55B930-23DD-6504-F1C3-9D270A08697B}"/>
+              </a:ext>
+            </a:extLst>
+          </p:cNvPr>
+          <p:cNvSpPr txBox="1"/>
+          <p:nvPr/>
+        </p:nvSpPr>
+        <p:spPr>
+          <a:xfrm>
+            <a:off x="1638382" y="1386066"/>
+            <a:ext cx="4572000" cy="2414122"/>
+          </a:xfrm>
+          <a:prstGeom prst="rect">
+            <a:avLst/>
+          </a:prstGeom>
+          <a:noFill/>
+          <a:effectLst>
+            <a:glow rad="63500">
+              <a:schemeClr val="accent5">
+                <a:satMod val="175000"/>
+                <a:alpha val="40000"/>
+              </a:schemeClr>
+            </a:glow>
+          </a:effectLst>
+        </p:spPr>
+        <p:txBody>
+          <a:bodyPr wrap="square" rtlCol="0">
+            <a:spAutoFit/>
+          </a:bodyPr>
+          <a:lstStyle/>
+          <a:p>
+            <a:pPr algn="ctr">
+              <a:lnSpc>
+                <a:spcPts val="8700"/>
+              </a:lnSpc>
+            </a:pPr>
+            <a:r>
+              <a:rPr lang="fr-FR" sz="9600" b="1" dirty="0" err="1">
+                <a:solidFill>
+                  <a:srgbClr val="FF0000"/>
+                </a:solidFill>
+                <a:effectLst>
+                  <a:glow rad="63500">
+                    <a:schemeClr val="bg1">
+                      <a:alpha val="40000"/>
+                    </a:schemeClr>
+                  </a:glow>
+                  <a:outerShdw dist="38100" dir="2460000" algn="ctr" rotWithShape="0">
+                    <a:schemeClr val="bg1"/>
+                  </a:outerShdw>
+                </a:effectLst>
+                <a:latin typeface="Chiller" panose="04020404031007020602" pitchFamily="82" charset="0"/>
+              </a:rPr>
+              <a:t>Midnight</a:t>
+            </a:r>
+            <a:br>
+              <a:rPr lang="fr-FR" sz="9600" b="1" dirty="0">
+                <a:solidFill>
+                  <a:srgbClr val="FF0000"/>
+                </a:solidFill>
+                <a:effectLst>
+                  <a:glow rad="63500">
+                    <a:schemeClr val="bg1">
+                      <a:alpha val="40000"/>
+                    </a:schemeClr>
+                  </a:glow>
+                  <a:outerShdw dist="38100" dir="2460000" algn="ctr" rotWithShape="0">
+                    <a:schemeClr val="bg1"/>
+                  </a:outerShdw>
+                </a:effectLst>
+                <a:latin typeface="Chiller" panose="04020404031007020602" pitchFamily="82" charset="0"/>
+              </a:rPr>
+            </a:br>
+            <a:r>
+              <a:rPr lang="fr-FR" sz="9600" b="1" dirty="0" err="1">
+                <a:solidFill>
+                  <a:srgbClr val="FF0000"/>
+                </a:solidFill>
+                <a:effectLst>
+                  <a:glow rad="63500">
+                    <a:schemeClr val="bg1">
+                      <a:alpha val="40000"/>
+                    </a:schemeClr>
+                  </a:glow>
+                  <a:outerShdw dist="38100" dir="2460000" algn="ctr" rotWithShape="0">
+                    <a:schemeClr val="bg1"/>
+                  </a:outerShdw>
+                </a:effectLst>
+                <a:latin typeface="Chiller" panose="04020404031007020602" pitchFamily="82" charset="0"/>
+              </a:rPr>
+              <a:t>Hour</a:t>
+            </a:r>
+            <a:endParaRPr lang="fr-FR" sz="9600" b="1" dirty="0">
+              <a:solidFill>
+                <a:srgbClr val="FF0000"/>
+              </a:solidFill>
+              <a:effectLst>
+                <a:glow rad="63500">
+                  <a:schemeClr val="bg1">
+                    <a:alpha val="40000"/>
+                  </a:schemeClr>
+                </a:glow>
+                <a:outerShdw dist="38100" dir="2460000" algn="ctr" rotWithShape="0">
+                  <a:schemeClr val="bg1"/>
+                </a:outerShdw>
+              </a:effectLst>
+              <a:latin typeface="Chiller" panose="04020404031007020602" pitchFamily="82" charset="0"/>
+            </a:endParaRPr>
+          </a:p>
+        </p:txBody>
+      </p:sp>
+      <p:pic>
+        <p:nvPicPr>
+          <p:cNvPr id="1026" name="Picture 2">
+            <a:extLst>
+              <a:ext uri="{FF2B5EF4-FFF2-40B4-BE49-F238E27FC236}">
+                <a16:creationId xmlns:a16="http://schemas.microsoft.com/office/drawing/2014/main" id="{6FD9C6D6-44BA-742E-F6A8-B4F405675BDC}"/>
+              </a:ext>
+            </a:extLst>
+          </p:cNvPr>
+          <p:cNvPicPr>
+            <a:picLocks noChangeAspect="1" noChangeArrowheads="1"/>
+          </p:cNvPicPr>
+          <p:nvPr/>
+        </p:nvPicPr>
+        <p:blipFill>
+          <a:blip r:embed="rId6">
+            <a:extLst>
+              <a:ext uri="{28A0092B-C50C-407E-A947-70E740481C1C}">
+                <a14:useLocalDpi xmlns:a14="http://schemas.microsoft.com/office/drawing/2010/main" val="0"/>
+              </a:ext>
+            </a:extLst>
+          </a:blip>
+          <a:srcRect/>
+          <a:stretch>
+            <a:fillRect/>
+          </a:stretch>
+        </p:blipFill>
+        <p:spPr bwMode="auto">
+          <a:xfrm>
+            <a:off x="1577183" y="5260388"/>
+            <a:ext cx="622256" cy="808616"/>
+          </a:xfrm>
+          <a:prstGeom prst="rect">
+            <a:avLst/>
+          </a:prstGeom>
+          <a:noFill/>
+          <a:extLst>
+            <a:ext uri="{909E8E84-426E-40DD-AFC4-6F175D3DCCD1}">
+              <a14:hiddenFill xmlns:a14="http://schemas.microsoft.com/office/drawing/2010/main">
+                <a:solidFill>
+                  <a:srgbClr val="FFFFFF"/>
+                </a:solidFill>
+              </a14:hiddenFill>
+            </a:ext>
+          </a:extLst>
+        </p:spPr>
+      </p:pic>
+    </p:spTree>
+    <p:extLst>
+      <p:ext uri="{BB962C8B-B14F-4D97-AF65-F5344CB8AC3E}">
+        <p14:creationId xmlns:p14="http://schemas.microsoft.com/office/powerpoint/2010/main" val="2149314199"/>
+      </p:ext>
+    </p:extLst>
+  </p:cSld>
+  <p:clrMapOvr>
+    <a:masterClrMapping/>
+  </p:clrMapOvr>
+</p:sld>
+</file>
+
+<file path=ppt/slides/slide3.xml><?xml version="1.0" encoding="utf-8"?>
+<p:sld xmlns:a="http://schemas.openxmlformats.org/drawingml/2006/main" xmlns:r="http://schemas.openxmlformats.org/officeDocument/2006/relationships" xmlns:p="http://schemas.openxmlformats.org/presentationml/2006/main">
+  <p:cSld>
+    <p:spTree>
+      <p:nvGrpSpPr>
+        <p:cNvPr id="1" name=""/>
+        <p:cNvGrpSpPr/>
+        <p:nvPr/>
+      </p:nvGrpSpPr>
+      <p:grpSpPr>
+        <a:xfrm>
+          <a:off x="0" y="0"/>
+          <a:ext cx="0" cy="0"/>
+          <a:chOff x="0" y="0"/>
+          <a:chExt cx="0" cy="0"/>
+        </a:xfrm>
+      </p:grpSpPr>
+      <p:grpSp>
+        <p:nvGrpSpPr>
+          <p:cNvPr id="7" name="Groupe 6">
+            <a:extLst>
+              <a:ext uri="{FF2B5EF4-FFF2-40B4-BE49-F238E27FC236}">
+                <a16:creationId xmlns:a16="http://schemas.microsoft.com/office/drawing/2014/main" id="{30592270-9F45-D653-3E52-A4301B2D7B0D}"/>
+              </a:ext>
+            </a:extLst>
+          </p:cNvPr>
+          <p:cNvGrpSpPr/>
+          <p:nvPr/>
+        </p:nvGrpSpPr>
+        <p:grpSpPr>
+          <a:xfrm>
+            <a:off x="1345016" y="0"/>
+            <a:ext cx="5108611" cy="6853139"/>
+            <a:chOff x="1573616" y="156802"/>
+            <a:chExt cx="5108611" cy="6853139"/>
+          </a:xfrm>
+        </p:grpSpPr>
+        <p:sp>
+          <p:nvSpPr>
+            <p:cNvPr id="6" name="Rectangle 5">
+              <a:extLst>
+                <a:ext uri="{FF2B5EF4-FFF2-40B4-BE49-F238E27FC236}">
+                  <a16:creationId xmlns:a16="http://schemas.microsoft.com/office/drawing/2014/main" id="{2BC0A2D8-F8A0-0F5E-7D0E-5672181B8E5D}"/>
+                </a:ext>
+              </a:extLst>
+            </p:cNvPr>
+            <p:cNvSpPr/>
+            <p:nvPr/>
+          </p:nvSpPr>
+          <p:spPr>
+            <a:xfrm>
+              <a:off x="1573618" y="156802"/>
+              <a:ext cx="5108609" cy="6853139"/>
+            </a:xfrm>
+            <a:prstGeom prst="rect">
+              <a:avLst/>
+            </a:prstGeom>
+            <a:solidFill>
+              <a:schemeClr val="tx1"/>
+            </a:solidFill>
+            <a:ln>
+              <a:noFill/>
+            </a:ln>
+          </p:spPr>
+          <p:style>
+            <a:lnRef idx="2">
+              <a:schemeClr val="accent1">
+                <a:shade val="50000"/>
+              </a:schemeClr>
+            </a:lnRef>
+            <a:fillRef idx="1">
+              <a:schemeClr val="accent1"/>
+            </a:fillRef>
+            <a:effectRef idx="0">
+              <a:schemeClr val="accent1"/>
+            </a:effectRef>
+            <a:fontRef idx="minor">
+              <a:schemeClr val="lt1"/>
+            </a:fontRef>
+          </p:style>
+          <p:txBody>
+            <a:bodyPr rtlCol="0" anchor="ctr"/>
+            <a:lstStyle/>
+            <a:p>
+              <a:pPr algn="ctr"/>
+              <a:endParaRPr lang="fr-FR"/>
+            </a:p>
+          </p:txBody>
+        </p:sp>
+        <p:sp>
+          <p:nvSpPr>
+            <p:cNvPr id="4" name="Rectangle 3">
+              <a:extLst>
+                <a:ext uri="{FF2B5EF4-FFF2-40B4-BE49-F238E27FC236}">
+                  <a16:creationId xmlns:a16="http://schemas.microsoft.com/office/drawing/2014/main" id="{6739AEAC-DC8A-5A3A-C935-C566B2C4276E}"/>
+                </a:ext>
+              </a:extLst>
+            </p:cNvPr>
+            <p:cNvSpPr/>
+            <p:nvPr/>
+          </p:nvSpPr>
+          <p:spPr>
+            <a:xfrm>
+              <a:off x="1573617" y="266259"/>
+              <a:ext cx="5108610" cy="702735"/>
+            </a:xfrm>
+            <a:prstGeom prst="rect">
+              <a:avLst/>
+            </a:prstGeom>
+            <a:solidFill>
+              <a:srgbClr val="F8BC4F"/>
+            </a:solidFill>
+            <a:ln>
+              <a:noFill/>
+            </a:ln>
+          </p:spPr>
+          <p:style>
+            <a:lnRef idx="2">
+              <a:schemeClr val="accent1">
+                <a:shade val="50000"/>
+              </a:schemeClr>
+            </a:lnRef>
+            <a:fillRef idx="1">
+              <a:schemeClr val="accent1"/>
+            </a:fillRef>
+            <a:effectRef idx="0">
+              <a:schemeClr val="accent1"/>
+            </a:effectRef>
+            <a:fontRef idx="minor">
+              <a:schemeClr val="lt1"/>
+            </a:fontRef>
+          </p:style>
+          <p:txBody>
+            <a:bodyPr rtlCol="0" anchor="ctr"/>
+            <a:lstStyle/>
+            <a:p>
+              <a:pPr algn="ctr"/>
+              <a:endParaRPr lang="fr-FR"/>
+            </a:p>
+          </p:txBody>
+        </p:sp>
+        <p:sp>
+          <p:nvSpPr>
             <p:cNvPr id="8" name="Rectangle 7">
               <a:extLst>
                 <a:ext uri="{FF2B5EF4-FFF2-40B4-BE49-F238E27FC236}">
@@ -23132,7 +24196,7 @@
 </p:sld>
 </file>
 
-<file path=ppt/slides/slide3.xml><?xml version="1.0" encoding="utf-8"?>
+<file path=ppt/slides/slide4.xml><?xml version="1.0" encoding="utf-8"?>
 <p:sld xmlns:a="http://schemas.openxmlformats.org/drawingml/2006/main" xmlns:r="http://schemas.openxmlformats.org/officeDocument/2006/relationships" xmlns:p="http://schemas.openxmlformats.org/presentationml/2006/main">
   <p:cSld>
     <p:spTree>
@@ -23749,7 +24813,7 @@
 </p:sld>
 </file>
 
-<file path=ppt/slides/slide4.xml><?xml version="1.0" encoding="utf-8"?>
+<file path=ppt/slides/slide5.xml><?xml version="1.0" encoding="utf-8"?>
 <p:sld xmlns:a="http://schemas.openxmlformats.org/drawingml/2006/main" xmlns:r="http://schemas.openxmlformats.org/officeDocument/2006/relationships" xmlns:p="http://schemas.openxmlformats.org/presentationml/2006/main">
   <p:cSld>
     <p:spTree>
@@ -24062,7 +25126,7 @@
 </p:sld>
 </file>
 
-<file path=ppt/slides/slide5.xml><?xml version="1.0" encoding="utf-8"?>
+<file path=ppt/slides/slide6.xml><?xml version="1.0" encoding="utf-8"?>
 <p:sld xmlns:a="http://schemas.openxmlformats.org/drawingml/2006/main" xmlns:r="http://schemas.openxmlformats.org/officeDocument/2006/relationships" xmlns:p="http://schemas.openxmlformats.org/presentationml/2006/main">
   <p:cSld>
     <p:spTree>
@@ -24422,7 +25486,7 @@
 </p:sld>
 </file>
 
-<file path=ppt/slides/slide6.xml><?xml version="1.0" encoding="utf-8"?>
+<file path=ppt/slides/slide7.xml><?xml version="1.0" encoding="utf-8"?>
 <p:sld xmlns:a="http://schemas.openxmlformats.org/drawingml/2006/main" xmlns:r="http://schemas.openxmlformats.org/officeDocument/2006/relationships" xmlns:p="http://schemas.openxmlformats.org/presentationml/2006/main">
   <p:cSld>
     <p:spTree>
@@ -24855,7 +25919,7 @@
 </p:sld>
 </file>
 
-<file path=ppt/slides/slide7.xml><?xml version="1.0" encoding="utf-8"?>
+<file path=ppt/slides/slide8.xml><?xml version="1.0" encoding="utf-8"?>
 <p:sld xmlns:a="http://schemas.openxmlformats.org/drawingml/2006/main" xmlns:r="http://schemas.openxmlformats.org/officeDocument/2006/relationships" xmlns:p="http://schemas.openxmlformats.org/presentationml/2006/main">
   <p:cSld>
     <p:spTree>
@@ -25773,7 +26837,7 @@
 </p:sld>
 </file>
 
-<file path=ppt/slides/slide8.xml><?xml version="1.0" encoding="utf-8"?>
+<file path=ppt/slides/slide9.xml><?xml version="1.0" encoding="utf-8"?>
 <p:sld xmlns:a="http://schemas.openxmlformats.org/drawingml/2006/main" xmlns:r="http://schemas.openxmlformats.org/officeDocument/2006/relationships" xmlns:p="http://schemas.openxmlformats.org/presentationml/2006/main">
   <p:cSld>
     <p:spTree>
@@ -26374,319 +27438,6 @@
 </p:sld>
 </file>
 
-<file path=ppt/slides/slide9.xml><?xml version="1.0" encoding="utf-8"?>
-<p:sld xmlns:a="http://schemas.openxmlformats.org/drawingml/2006/main" xmlns:r="http://schemas.openxmlformats.org/officeDocument/2006/relationships" xmlns:p="http://schemas.openxmlformats.org/presentationml/2006/main">
-  <p:cSld>
-    <p:spTree>
-      <p:nvGrpSpPr>
-        <p:cNvPr id="1" name=""/>
-        <p:cNvGrpSpPr/>
-        <p:nvPr/>
-      </p:nvGrpSpPr>
-      <p:grpSpPr>
-        <a:xfrm>
-          <a:off x="0" y="0"/>
-          <a:ext cx="0" cy="0"/>
-          <a:chOff x="0" y="0"/>
-          <a:chExt cx="0" cy="0"/>
-        </a:xfrm>
-      </p:grpSpPr>
-      <p:grpSp>
-        <p:nvGrpSpPr>
-          <p:cNvPr id="4" name="Groupe 3">
-            <a:extLst>
-              <a:ext uri="{FF2B5EF4-FFF2-40B4-BE49-F238E27FC236}">
-                <a16:creationId xmlns:a16="http://schemas.microsoft.com/office/drawing/2014/main" id="{245F472C-B6B9-EBE9-A183-510A380574F9}"/>
-              </a:ext>
-            </a:extLst>
-          </p:cNvPr>
-          <p:cNvGrpSpPr/>
-          <p:nvPr/>
-        </p:nvGrpSpPr>
-        <p:grpSpPr>
-          <a:xfrm>
-            <a:off x="1345018" y="0"/>
-            <a:ext cx="5108609" cy="6853139"/>
-            <a:chOff x="1573618" y="156802"/>
-            <a:chExt cx="5108609" cy="6853139"/>
-          </a:xfrm>
-          <a:solidFill>
-            <a:schemeClr val="bg1"/>
-          </a:solidFill>
-        </p:grpSpPr>
-        <p:sp>
-          <p:nvSpPr>
-            <p:cNvPr id="5" name="Rectangle 4">
-              <a:extLst>
-                <a:ext uri="{FF2B5EF4-FFF2-40B4-BE49-F238E27FC236}">
-                  <a16:creationId xmlns:a16="http://schemas.microsoft.com/office/drawing/2014/main" id="{EA6271CB-7CB1-8AF6-1FA1-E3EF4709453A}"/>
-                </a:ext>
-              </a:extLst>
-            </p:cNvPr>
-            <p:cNvSpPr/>
-            <p:nvPr/>
-          </p:nvSpPr>
-          <p:spPr>
-            <a:xfrm>
-              <a:off x="1573618" y="156802"/>
-              <a:ext cx="5108609" cy="6853139"/>
-            </a:xfrm>
-            <a:prstGeom prst="rect">
-              <a:avLst/>
-            </a:prstGeom>
-            <a:grpFill/>
-            <a:ln>
-              <a:solidFill>
-                <a:schemeClr val="bg1">
-                  <a:lumMod val="85000"/>
-                </a:schemeClr>
-              </a:solidFill>
-            </a:ln>
-          </p:spPr>
-          <p:style>
-            <a:lnRef idx="2">
-              <a:schemeClr val="accent1">
-                <a:shade val="50000"/>
-              </a:schemeClr>
-            </a:lnRef>
-            <a:fillRef idx="1">
-              <a:schemeClr val="accent1"/>
-            </a:fillRef>
-            <a:effectRef idx="0">
-              <a:schemeClr val="accent1"/>
-            </a:effectRef>
-            <a:fontRef idx="minor">
-              <a:schemeClr val="lt1"/>
-            </a:fontRef>
-          </p:style>
-          <p:txBody>
-            <a:bodyPr rtlCol="0" anchor="ctr"/>
-            <a:lstStyle/>
-            <a:p>
-              <a:pPr algn="ctr"/>
-              <a:endParaRPr lang="fr-FR"/>
-            </a:p>
-          </p:txBody>
-        </p:sp>
-        <p:sp>
-          <p:nvSpPr>
-            <p:cNvPr id="9" name="ZoneTexte 8">
-              <a:extLst>
-                <a:ext uri="{FF2B5EF4-FFF2-40B4-BE49-F238E27FC236}">
-                  <a16:creationId xmlns:a16="http://schemas.microsoft.com/office/drawing/2014/main" id="{7BF7CDFD-AAD3-9FA2-5875-D712D95DEF02}"/>
-                </a:ext>
-              </a:extLst>
-            </p:cNvPr>
-            <p:cNvSpPr txBox="1"/>
-            <p:nvPr/>
-          </p:nvSpPr>
-          <p:spPr>
-            <a:xfrm>
-              <a:off x="1573618" y="2438653"/>
-              <a:ext cx="5108609" cy="892552"/>
-            </a:xfrm>
-            <a:prstGeom prst="rect">
-              <a:avLst/>
-            </a:prstGeom>
-            <a:noFill/>
-          </p:spPr>
-          <p:txBody>
-            <a:bodyPr wrap="square" rtlCol="0">
-              <a:spAutoFit/>
-            </a:bodyPr>
-            <a:lstStyle/>
-            <a:p>
-              <a:pPr algn="ctr"/>
-              <a:r>
-                <a:rPr lang="fr-FR" sz="3600" b="1" dirty="0">
-                  <a:latin typeface="Century Gothic" panose="020B0502020202020204" pitchFamily="34" charset="0"/>
-                </a:rPr>
-                <a:t>MABOOL</a:t>
-              </a:r>
-              <a:br>
-                <a:rPr lang="fr-FR" sz="3600" b="1" dirty="0">
-                  <a:latin typeface="Century Gothic" panose="020B0502020202020204" pitchFamily="34" charset="0"/>
-                </a:rPr>
-              </a:br>
-              <a:r>
-                <a:rPr lang="fr-FR" sz="1600" b="1" dirty="0">
-                  <a:latin typeface="Century Gothic" panose="020B0502020202020204" pitchFamily="34" charset="0"/>
-                </a:rPr>
-                <a:t>pour ordinateur Philips VG5000</a:t>
-              </a:r>
-              <a:endParaRPr lang="fr-FR" sz="3600" b="1" dirty="0">
-                <a:latin typeface="Century Gothic" panose="020B0502020202020204" pitchFamily="34" charset="0"/>
-              </a:endParaRPr>
-            </a:p>
-          </p:txBody>
-        </p:sp>
-        <p:pic>
-          <p:nvPicPr>
-            <p:cNvPr id="11" name="Picture 4" descr="Philips Logo : histoire, signification de l'emblème">
-              <a:extLst>
-                <a:ext uri="{FF2B5EF4-FFF2-40B4-BE49-F238E27FC236}">
-                  <a16:creationId xmlns:a16="http://schemas.microsoft.com/office/drawing/2014/main" id="{88BD72BF-0937-3BFC-E887-F91A5DC7FECE}"/>
-                </a:ext>
-              </a:extLst>
-            </p:cNvPr>
-            <p:cNvPicPr>
-              <a:picLocks noChangeAspect="1" noChangeArrowheads="1"/>
-            </p:cNvPicPr>
-            <p:nvPr/>
-          </p:nvPicPr>
-          <p:blipFill rotWithShape="1">
-            <a:blip r:embed="rId2">
-              <a:extLst>
-                <a:ext uri="{28A0092B-C50C-407E-A947-70E740481C1C}">
-                  <a14:useLocalDpi xmlns:a14="http://schemas.microsoft.com/office/drawing/2010/main" val="0"/>
-                </a:ext>
-              </a:extLst>
-            </a:blip>
-            <a:srcRect t="33662" r="20823" b="35261"/>
-            <a:stretch/>
-          </p:blipFill>
-          <p:spPr bwMode="auto">
-            <a:xfrm>
-              <a:off x="1641768" y="6487054"/>
-              <a:ext cx="1329179" cy="293459"/>
-            </a:xfrm>
-            <a:prstGeom prst="rect">
-              <a:avLst/>
-            </a:prstGeom>
-            <a:grpFill/>
-          </p:spPr>
-        </p:pic>
-        <p:pic>
-          <p:nvPicPr>
-            <p:cNvPr id="12" name="Picture 6">
-              <a:extLst>
-                <a:ext uri="{FF2B5EF4-FFF2-40B4-BE49-F238E27FC236}">
-                  <a16:creationId xmlns:a16="http://schemas.microsoft.com/office/drawing/2014/main" id="{30C19FB9-53AD-91A9-8456-9C1E31D56455}"/>
-                </a:ext>
-              </a:extLst>
-            </p:cNvPr>
-            <p:cNvPicPr>
-              <a:picLocks noChangeAspect="1" noChangeArrowheads="1"/>
-            </p:cNvPicPr>
-            <p:nvPr/>
-          </p:nvPicPr>
-          <p:blipFill>
-            <a:blip r:embed="rId3">
-              <a:extLst>
-                <a:ext uri="{28A0092B-C50C-407E-A947-70E740481C1C}">
-                  <a14:useLocalDpi xmlns:a14="http://schemas.microsoft.com/office/drawing/2010/main" val="0"/>
-                </a:ext>
-              </a:extLst>
-            </a:blip>
-            <a:srcRect/>
-            <a:stretch>
-              <a:fillRect/>
-            </a:stretch>
-          </p:blipFill>
-          <p:spPr bwMode="auto">
-            <a:xfrm>
-              <a:off x="6225025" y="6474354"/>
-              <a:ext cx="304800" cy="400345"/>
-            </a:xfrm>
-            <a:prstGeom prst="rect">
-              <a:avLst/>
-            </a:prstGeom>
-            <a:grpFill/>
-          </p:spPr>
-        </p:pic>
-      </p:grpSp>
-      <p:sp>
-        <p:nvSpPr>
-          <p:cNvPr id="13" name="ZoneTexte 12">
-            <a:extLst>
-              <a:ext uri="{FF2B5EF4-FFF2-40B4-BE49-F238E27FC236}">
-                <a16:creationId xmlns:a16="http://schemas.microsoft.com/office/drawing/2014/main" id="{C5B08FF6-5C11-F8A0-EBAC-5FEF89CA0E8D}"/>
-              </a:ext>
-            </a:extLst>
-          </p:cNvPr>
-          <p:cNvSpPr txBox="1"/>
-          <p:nvPr/>
-        </p:nvSpPr>
-        <p:spPr>
-          <a:xfrm>
-            <a:off x="1345018" y="5460958"/>
-            <a:ext cx="5108609" cy="369332"/>
-          </a:xfrm>
-          <a:prstGeom prst="rect">
-            <a:avLst/>
-          </a:prstGeom>
-          <a:noFill/>
-        </p:spPr>
-        <p:txBody>
-          <a:bodyPr wrap="square" rtlCol="0">
-            <a:spAutoFit/>
-          </a:bodyPr>
-          <a:lstStyle/>
-          <a:p>
-            <a:pPr algn="ctr"/>
-            <a:r>
-              <a:rPr lang="fr-FR" b="1" dirty="0">
-                <a:latin typeface="Century Gothic" panose="020B0502020202020204" pitchFamily="34" charset="0"/>
-              </a:rPr>
-              <a:t>Baptiste Bideaux ©2022</a:t>
-            </a:r>
-          </a:p>
-        </p:txBody>
-      </p:sp>
-      <p:cxnSp>
-        <p:nvCxnSpPr>
-          <p:cNvPr id="15" name="Connecteur droit 14">
-            <a:extLst>
-              <a:ext uri="{FF2B5EF4-FFF2-40B4-BE49-F238E27FC236}">
-                <a16:creationId xmlns:a16="http://schemas.microsoft.com/office/drawing/2014/main" id="{2C3CD1F2-CFD8-B187-5787-0AFC0DF5C0B9}"/>
-              </a:ext>
-            </a:extLst>
-          </p:cNvPr>
-          <p:cNvCxnSpPr/>
-          <p:nvPr/>
-        </p:nvCxnSpPr>
-        <p:spPr>
-          <a:xfrm>
-            <a:off x="1345018" y="6150279"/>
-            <a:ext cx="5108609" cy="0"/>
-          </a:xfrm>
-          <a:prstGeom prst="line">
-            <a:avLst/>
-          </a:prstGeom>
-          <a:ln w="38100">
-            <a:solidFill>
-              <a:schemeClr val="tx1"/>
-            </a:solidFill>
-          </a:ln>
-        </p:spPr>
-        <p:style>
-          <a:lnRef idx="1">
-            <a:schemeClr val="accent1"/>
-          </a:lnRef>
-          <a:fillRef idx="0">
-            <a:schemeClr val="accent1"/>
-          </a:fillRef>
-          <a:effectRef idx="0">
-            <a:schemeClr val="accent1"/>
-          </a:effectRef>
-          <a:fontRef idx="minor">
-            <a:schemeClr val="tx1"/>
-          </a:fontRef>
-        </p:style>
-      </p:cxnSp>
-    </p:spTree>
-    <p:extLst>
-      <p:ext uri="{BB962C8B-B14F-4D97-AF65-F5344CB8AC3E}">
-        <p14:creationId xmlns:p14="http://schemas.microsoft.com/office/powerpoint/2010/main" val="1985006253"/>
-      </p:ext>
-    </p:extLst>
-  </p:cSld>
-  <p:clrMapOvr>
-    <a:masterClrMapping/>
-  </p:clrMapOvr>
-</p:sld>
-</file>
-
 <file path=ppt/theme/theme1.xml><?xml version="1.0" encoding="utf-8"?>
 <a:theme xmlns:a="http://schemas.openxmlformats.org/drawingml/2006/main" name="Thème Office">
   <a:themeElements>
